--- a/notes.pptx
+++ b/notes.pptx
@@ -23,6 +23,10 @@
     <p:sldId id="271" r:id="rId17"/>
     <p:sldId id="272" r:id="rId18"/>
     <p:sldId id="273" r:id="rId19"/>
+    <p:sldId id="274" r:id="rId20"/>
+    <p:sldId id="275" r:id="rId21"/>
+    <p:sldId id="276" r:id="rId22"/>
+    <p:sldId id="277" r:id="rId23"/>
   </p:sldIdLst>
   <p:sldSz cx="12192000" cy="6858000"/>
   <p:notesSz cx="6858000" cy="9144000"/>
@@ -7233,6 +7237,165 @@
 </p:sld>
 </file>
 
+<file path=ppt/slides/slide19.xml><?xml version="1.0" encoding="utf-8"?>
+<p:sld xmlns:a="http://schemas.openxmlformats.org/drawingml/2006/main" xmlns:r="http://schemas.openxmlformats.org/officeDocument/2006/relationships" xmlns:p="http://schemas.openxmlformats.org/presentationml/2006/main">
+  <p:cSld>
+    <p:spTree>
+      <p:nvGrpSpPr>
+        <p:cNvPr id="1" name=""/>
+        <p:cNvGrpSpPr/>
+        <p:nvPr/>
+      </p:nvGrpSpPr>
+      <p:grpSpPr>
+        <a:xfrm>
+          <a:off x="0" y="0"/>
+          <a:ext cx="0" cy="0"/>
+          <a:chOff x="0" y="0"/>
+          <a:chExt cx="0" cy="0"/>
+        </a:xfrm>
+      </p:grpSpPr>
+      <p:sp>
+        <p:nvSpPr>
+          <p:cNvPr id="2" name="Title 1">
+            <a:extLst>
+              <a:ext uri="{FF2B5EF4-FFF2-40B4-BE49-F238E27FC236}">
+                <a16:creationId xmlns:a16="http://schemas.microsoft.com/office/drawing/2014/main" id="{2F277CD5-2188-4BCB-AA53-160C0BB6634A}"/>
+              </a:ext>
+            </a:extLst>
+          </p:cNvPr>
+          <p:cNvSpPr>
+            <a:spLocks noGrp="1"/>
+          </p:cNvSpPr>
+          <p:nvPr>
+            <p:ph type="title"/>
+          </p:nvPr>
+        </p:nvSpPr>
+        <p:spPr/>
+        <p:txBody>
+          <a:bodyPr/>
+          <a:lstStyle/>
+          <a:p>
+            <a:r>
+              <a:rPr lang="fr-FR" dirty="0"/>
+              <a:t>Project </a:t>
+            </a:r>
+            <a:r>
+              <a:rPr lang="fr-FR" dirty="0" err="1"/>
+              <a:t>github</a:t>
+            </a:r>
+            <a:endParaRPr lang="fr-FR" dirty="0"/>
+          </a:p>
+        </p:txBody>
+      </p:sp>
+      <p:sp>
+        <p:nvSpPr>
+          <p:cNvPr id="3" name="Content Placeholder 2">
+            <a:extLst>
+              <a:ext uri="{FF2B5EF4-FFF2-40B4-BE49-F238E27FC236}">
+                <a16:creationId xmlns:a16="http://schemas.microsoft.com/office/drawing/2014/main" id="{1059F347-3DBA-4B39-B917-826F75B7140C}"/>
+              </a:ext>
+            </a:extLst>
+          </p:cNvPr>
+          <p:cNvSpPr>
+            <a:spLocks noGrp="1"/>
+          </p:cNvSpPr>
+          <p:nvPr>
+            <p:ph idx="1"/>
+          </p:nvPr>
+        </p:nvSpPr>
+        <p:spPr/>
+        <p:txBody>
+          <a:bodyPr/>
+          <a:lstStyle/>
+          <a:p>
+            <a:r>
+              <a:rPr lang="fr-FR" dirty="0"/>
+              <a:t>git clone </a:t>
+            </a:r>
+            <a:r>
+              <a:rPr lang="fr-FR" dirty="0">
+                <a:hlinkClick r:id="rId2"/>
+              </a:rPr>
+              <a:t>https://github.com/jlg-formation/tjs-juin-2022.git</a:t>
+            </a:r>
+            <a:endParaRPr lang="fr-FR" dirty="0"/>
+          </a:p>
+          <a:p>
+            <a:r>
+              <a:rPr lang="fr-FR" dirty="0"/>
+              <a:t>cd tjs-juin-2022</a:t>
+            </a:r>
+          </a:p>
+          <a:p>
+            <a:r>
+              <a:rPr lang="fr-FR" dirty="0"/>
+              <a:t>cd back</a:t>
+            </a:r>
+          </a:p>
+          <a:p>
+            <a:r>
+              <a:rPr lang="fr-FR" dirty="0" err="1"/>
+              <a:t>npm</a:t>
+            </a:r>
+            <a:r>
+              <a:rPr lang="fr-FR" dirty="0"/>
+              <a:t> i</a:t>
+            </a:r>
+          </a:p>
+          <a:p>
+            <a:r>
+              <a:rPr lang="fr-FR" dirty="0" err="1"/>
+              <a:t>npm</a:t>
+            </a:r>
+            <a:r>
+              <a:rPr lang="fr-FR" dirty="0"/>
+              <a:t> start</a:t>
+            </a:r>
+          </a:p>
+          <a:p>
+            <a:r>
+              <a:rPr lang="fr-FR" dirty="0"/>
+              <a:t>Ouvre un autre terminal dans front</a:t>
+            </a:r>
+          </a:p>
+          <a:p>
+            <a:r>
+              <a:rPr lang="fr-FR" dirty="0" err="1"/>
+              <a:t>npm</a:t>
+            </a:r>
+            <a:r>
+              <a:rPr lang="fr-FR" dirty="0"/>
+              <a:t> i </a:t>
+            </a:r>
+          </a:p>
+          <a:p>
+            <a:r>
+              <a:rPr lang="fr-FR" dirty="0" err="1"/>
+              <a:t>npm</a:t>
+            </a:r>
+            <a:r>
+              <a:rPr lang="fr-FR" dirty="0"/>
+              <a:t> start</a:t>
+            </a:r>
+          </a:p>
+          <a:p>
+            <a:endParaRPr lang="fr-FR" dirty="0"/>
+          </a:p>
+        </p:txBody>
+      </p:sp>
+    </p:spTree>
+    <p:extLst>
+      <p:ext uri="{BB962C8B-B14F-4D97-AF65-F5344CB8AC3E}">
+        <p14:creationId xmlns:p14="http://schemas.microsoft.com/office/powerpoint/2010/main" val="3346172628"/>
+      </p:ext>
+    </p:extLst>
+  </p:cSld>
+  <p:clrMapOvr>
+    <a:masterClrMapping/>
+  </p:clrMapOvr>
+</p:sld>
+</file>
+
 <file path=ppt/slides/slide2.xml><?xml version="1.0" encoding="utf-8"?>
 <p:sld xmlns:a="http://schemas.openxmlformats.org/drawingml/2006/main" xmlns:r="http://schemas.openxmlformats.org/officeDocument/2006/relationships" xmlns:p="http://schemas.openxmlformats.org/presentationml/2006/main">
   <p:cSld>
@@ -7467,6 +7630,698 @@
     <p:extLst>
       <p:ext uri="{BB962C8B-B14F-4D97-AF65-F5344CB8AC3E}">
         <p14:creationId xmlns:p14="http://schemas.microsoft.com/office/powerpoint/2010/main" val="1161672621"/>
+      </p:ext>
+    </p:extLst>
+  </p:cSld>
+  <p:clrMapOvr>
+    <a:masterClrMapping/>
+  </p:clrMapOvr>
+</p:sld>
+</file>
+
+<file path=ppt/slides/slide20.xml><?xml version="1.0" encoding="utf-8"?>
+<p:sld xmlns:a="http://schemas.openxmlformats.org/drawingml/2006/main" xmlns:r="http://schemas.openxmlformats.org/officeDocument/2006/relationships" xmlns:p="http://schemas.openxmlformats.org/presentationml/2006/main">
+  <p:cSld>
+    <p:spTree>
+      <p:nvGrpSpPr>
+        <p:cNvPr id="1" name=""/>
+        <p:cNvGrpSpPr/>
+        <p:nvPr/>
+      </p:nvGrpSpPr>
+      <p:grpSpPr>
+        <a:xfrm>
+          <a:off x="0" y="0"/>
+          <a:ext cx="0" cy="0"/>
+          <a:chOff x="0" y="0"/>
+          <a:chExt cx="0" cy="0"/>
+        </a:xfrm>
+      </p:grpSpPr>
+      <p:sp>
+        <p:nvSpPr>
+          <p:cNvPr id="2" name="Title 1">
+            <a:extLst>
+              <a:ext uri="{FF2B5EF4-FFF2-40B4-BE49-F238E27FC236}">
+                <a16:creationId xmlns:a16="http://schemas.microsoft.com/office/drawing/2014/main" id="{74DB5E89-E73D-4D28-A7DD-3A8EB31B0BAF}"/>
+              </a:ext>
+            </a:extLst>
+          </p:cNvPr>
+          <p:cNvSpPr>
+            <a:spLocks noGrp="1"/>
+          </p:cNvSpPr>
+          <p:nvPr>
+            <p:ph type="title"/>
+          </p:nvPr>
+        </p:nvSpPr>
+        <p:spPr/>
+        <p:txBody>
+          <a:bodyPr/>
+          <a:lstStyle/>
+          <a:p>
+            <a:r>
+              <a:rPr lang="fr-FR" dirty="0"/>
+              <a:t>URL rewriting</a:t>
+            </a:r>
+          </a:p>
+        </p:txBody>
+      </p:sp>
+      <p:sp>
+        <p:nvSpPr>
+          <p:cNvPr id="3" name="Content Placeholder 2">
+            <a:extLst>
+              <a:ext uri="{FF2B5EF4-FFF2-40B4-BE49-F238E27FC236}">
+                <a16:creationId xmlns:a16="http://schemas.microsoft.com/office/drawing/2014/main" id="{D53AB1C8-3B6A-46DB-9D1B-5A6F292FBDC0}"/>
+              </a:ext>
+            </a:extLst>
+          </p:cNvPr>
+          <p:cNvSpPr>
+            <a:spLocks noGrp="1"/>
+          </p:cNvSpPr>
+          <p:nvPr>
+            <p:ph idx="1"/>
+          </p:nvPr>
+        </p:nvSpPr>
+        <p:spPr/>
+        <p:txBody>
+          <a:bodyPr/>
+          <a:lstStyle/>
+          <a:p>
+            <a:r>
+              <a:rPr lang="fr-FR" dirty="0"/>
+              <a:t>en production, un </a:t>
+            </a:r>
+            <a:r>
+              <a:rPr lang="fr-FR" dirty="0" err="1"/>
+              <a:t>refresh</a:t>
+            </a:r>
+            <a:r>
+              <a:rPr lang="fr-FR" dirty="0"/>
+              <a:t> sur une route (ex: /stock) ne marche pas.</a:t>
+            </a:r>
+          </a:p>
+          <a:p>
+            <a:r>
+              <a:rPr lang="fr-FR" dirty="0"/>
+              <a:t>pour que ca marche, le serveur doit rediriger l’url /stock sur l’application </a:t>
+            </a:r>
+            <a:r>
+              <a:rPr lang="fr-FR" dirty="0" err="1"/>
+              <a:t>react</a:t>
+            </a:r>
+            <a:r>
+              <a:rPr lang="fr-FR" dirty="0"/>
+              <a:t>.</a:t>
+            </a:r>
+          </a:p>
+        </p:txBody>
+      </p:sp>
+    </p:spTree>
+    <p:extLst>
+      <p:ext uri="{BB962C8B-B14F-4D97-AF65-F5344CB8AC3E}">
+        <p14:creationId xmlns:p14="http://schemas.microsoft.com/office/powerpoint/2010/main" val="2430058328"/>
+      </p:ext>
+    </p:extLst>
+  </p:cSld>
+  <p:clrMapOvr>
+    <a:masterClrMapping/>
+  </p:clrMapOvr>
+</p:sld>
+</file>
+
+<file path=ppt/slides/slide21.xml><?xml version="1.0" encoding="utf-8"?>
+<p:sld xmlns:a="http://schemas.openxmlformats.org/drawingml/2006/main" xmlns:r="http://schemas.openxmlformats.org/officeDocument/2006/relationships" xmlns:p="http://schemas.openxmlformats.org/presentationml/2006/main">
+  <p:cSld>
+    <p:spTree>
+      <p:nvGrpSpPr>
+        <p:cNvPr id="1" name=""/>
+        <p:cNvGrpSpPr/>
+        <p:nvPr/>
+      </p:nvGrpSpPr>
+      <p:grpSpPr>
+        <a:xfrm>
+          <a:off x="0" y="0"/>
+          <a:ext cx="0" cy="0"/>
+          <a:chOff x="0" y="0"/>
+          <a:chExt cx="0" cy="0"/>
+        </a:xfrm>
+      </p:grpSpPr>
+      <p:sp>
+        <p:nvSpPr>
+          <p:cNvPr id="2" name="Title 1">
+            <a:extLst>
+              <a:ext uri="{FF2B5EF4-FFF2-40B4-BE49-F238E27FC236}">
+                <a16:creationId xmlns:a16="http://schemas.microsoft.com/office/drawing/2014/main" id="{D5BD5883-7102-428E-AE4D-E91BDB36B5C7}"/>
+              </a:ext>
+            </a:extLst>
+          </p:cNvPr>
+          <p:cNvSpPr>
+            <a:spLocks noGrp="1"/>
+          </p:cNvSpPr>
+          <p:nvPr>
+            <p:ph type="title"/>
+          </p:nvPr>
+        </p:nvSpPr>
+        <p:spPr/>
+        <p:txBody>
+          <a:bodyPr/>
+          <a:lstStyle/>
+          <a:p>
+            <a:r>
+              <a:rPr lang="fr-FR" dirty="0" err="1"/>
+              <a:t>Proxifier</a:t>
+            </a:r>
+            <a:r>
+              <a:rPr lang="fr-FR" dirty="0"/>
+              <a:t> le serveur de dev</a:t>
+            </a:r>
+          </a:p>
+        </p:txBody>
+      </p:sp>
+      <p:sp>
+        <p:nvSpPr>
+          <p:cNvPr id="5" name="Rectangle 4">
+            <a:extLst>
+              <a:ext uri="{FF2B5EF4-FFF2-40B4-BE49-F238E27FC236}">
+                <a16:creationId xmlns:a16="http://schemas.microsoft.com/office/drawing/2014/main" id="{3EBB4CBF-5C06-464A-BEA5-6F0F6E71699F}"/>
+              </a:ext>
+            </a:extLst>
+          </p:cNvPr>
+          <p:cNvSpPr/>
+          <p:nvPr/>
+        </p:nvSpPr>
+        <p:spPr>
+          <a:xfrm>
+            <a:off x="794931" y="3335952"/>
+            <a:ext cx="1723115" cy="1419847"/>
+          </a:xfrm>
+          <a:prstGeom prst="rect">
+            <a:avLst/>
+          </a:prstGeom>
+        </p:spPr>
+        <p:style>
+          <a:lnRef idx="2">
+            <a:schemeClr val="accent1">
+              <a:shade val="50000"/>
+            </a:schemeClr>
+          </a:lnRef>
+          <a:fillRef idx="1">
+            <a:schemeClr val="accent1"/>
+          </a:fillRef>
+          <a:effectRef idx="0">
+            <a:schemeClr val="accent1"/>
+          </a:effectRef>
+          <a:fontRef idx="minor">
+            <a:schemeClr val="lt1"/>
+          </a:fontRef>
+        </p:style>
+        <p:txBody>
+          <a:bodyPr rtlCol="0" anchor="ctr"/>
+          <a:lstStyle/>
+          <a:p>
+            <a:pPr algn="ctr"/>
+            <a:r>
+              <a:rPr lang="fr-FR" dirty="0"/>
+              <a:t>Client</a:t>
+            </a:r>
+          </a:p>
+        </p:txBody>
+      </p:sp>
+      <p:sp>
+        <p:nvSpPr>
+          <p:cNvPr id="6" name="Rectangle 5">
+            <a:extLst>
+              <a:ext uri="{FF2B5EF4-FFF2-40B4-BE49-F238E27FC236}">
+                <a16:creationId xmlns:a16="http://schemas.microsoft.com/office/drawing/2014/main" id="{1569100D-D593-4B3C-9041-C39EC863D653}"/>
+              </a:ext>
+            </a:extLst>
+          </p:cNvPr>
+          <p:cNvSpPr/>
+          <p:nvPr/>
+        </p:nvSpPr>
+        <p:spPr>
+          <a:xfrm>
+            <a:off x="6599150" y="1213840"/>
+            <a:ext cx="1723115" cy="1419847"/>
+          </a:xfrm>
+          <a:prstGeom prst="rect">
+            <a:avLst/>
+          </a:prstGeom>
+        </p:spPr>
+        <p:style>
+          <a:lnRef idx="2">
+            <a:schemeClr val="accent1">
+              <a:shade val="50000"/>
+            </a:schemeClr>
+          </a:lnRef>
+          <a:fillRef idx="1">
+            <a:schemeClr val="accent1"/>
+          </a:fillRef>
+          <a:effectRef idx="0">
+            <a:schemeClr val="accent1"/>
+          </a:effectRef>
+          <a:fontRef idx="minor">
+            <a:schemeClr val="lt1"/>
+          </a:fontRef>
+        </p:style>
+        <p:txBody>
+          <a:bodyPr rtlCol="0" anchor="ctr"/>
+          <a:lstStyle/>
+          <a:p>
+            <a:pPr algn="ctr"/>
+            <a:r>
+              <a:rPr lang="fr-FR" dirty="0"/>
+              <a:t>localhost:3000</a:t>
+            </a:r>
+          </a:p>
+        </p:txBody>
+      </p:sp>
+      <p:sp>
+        <p:nvSpPr>
+          <p:cNvPr id="7" name="Rectangle 6">
+            <a:extLst>
+              <a:ext uri="{FF2B5EF4-FFF2-40B4-BE49-F238E27FC236}">
+                <a16:creationId xmlns:a16="http://schemas.microsoft.com/office/drawing/2014/main" id="{0762719F-911E-4BC2-B471-F4BD331822A9}"/>
+              </a:ext>
+            </a:extLst>
+          </p:cNvPr>
+          <p:cNvSpPr/>
+          <p:nvPr/>
+        </p:nvSpPr>
+        <p:spPr>
+          <a:xfrm>
+            <a:off x="6733170" y="4398923"/>
+            <a:ext cx="1723115" cy="1419847"/>
+          </a:xfrm>
+          <a:prstGeom prst="rect">
+            <a:avLst/>
+          </a:prstGeom>
+        </p:spPr>
+        <p:style>
+          <a:lnRef idx="2">
+            <a:schemeClr val="accent1">
+              <a:shade val="50000"/>
+            </a:schemeClr>
+          </a:lnRef>
+          <a:fillRef idx="1">
+            <a:schemeClr val="accent1"/>
+          </a:fillRef>
+          <a:effectRef idx="0">
+            <a:schemeClr val="accent1"/>
+          </a:effectRef>
+          <a:fontRef idx="minor">
+            <a:schemeClr val="lt1"/>
+          </a:fontRef>
+        </p:style>
+        <p:txBody>
+          <a:bodyPr rtlCol="0" anchor="ctr"/>
+          <a:lstStyle/>
+          <a:p>
+            <a:pPr algn="ctr"/>
+            <a:r>
+              <a:rPr lang="fr-FR" dirty="0"/>
+              <a:t>localhost:3500</a:t>
+            </a:r>
+          </a:p>
+        </p:txBody>
+      </p:sp>
+      <p:cxnSp>
+        <p:nvCxnSpPr>
+          <p:cNvPr id="8" name="Straight Arrow Connector 7">
+            <a:extLst>
+              <a:ext uri="{FF2B5EF4-FFF2-40B4-BE49-F238E27FC236}">
+                <a16:creationId xmlns:a16="http://schemas.microsoft.com/office/drawing/2014/main" id="{C07F6B7D-8C52-48D9-9697-23882873E1C3}"/>
+              </a:ext>
+            </a:extLst>
+          </p:cNvPr>
+          <p:cNvCxnSpPr/>
+          <p:nvPr/>
+        </p:nvCxnSpPr>
+        <p:spPr>
+          <a:xfrm flipV="1">
+            <a:off x="2518046" y="1594456"/>
+            <a:ext cx="4075743" cy="1879345"/>
+          </a:xfrm>
+          <a:prstGeom prst="straightConnector1">
+            <a:avLst/>
+          </a:prstGeom>
+          <a:ln w="76200">
+            <a:tailEnd type="triangle"/>
+          </a:ln>
+        </p:spPr>
+        <p:style>
+          <a:lnRef idx="1">
+            <a:schemeClr val="accent1"/>
+          </a:lnRef>
+          <a:fillRef idx="0">
+            <a:schemeClr val="accent1"/>
+          </a:fillRef>
+          <a:effectRef idx="0">
+            <a:schemeClr val="accent1"/>
+          </a:effectRef>
+          <a:fontRef idx="minor">
+            <a:schemeClr val="tx1"/>
+          </a:fontRef>
+        </p:style>
+      </p:cxnSp>
+      <p:cxnSp>
+        <p:nvCxnSpPr>
+          <p:cNvPr id="9" name="Straight Arrow Connector 8">
+            <a:extLst>
+              <a:ext uri="{FF2B5EF4-FFF2-40B4-BE49-F238E27FC236}">
+                <a16:creationId xmlns:a16="http://schemas.microsoft.com/office/drawing/2014/main" id="{F25B8364-0EDC-4923-B937-653EE420D946}"/>
+              </a:ext>
+            </a:extLst>
+          </p:cNvPr>
+          <p:cNvCxnSpPr>
+            <a:endCxn id="5" idx="3"/>
+          </p:cNvCxnSpPr>
+          <p:nvPr/>
+        </p:nvCxnSpPr>
+        <p:spPr>
+          <a:xfrm flipH="1">
+            <a:off x="2518046" y="2251538"/>
+            <a:ext cx="4081104" cy="1794338"/>
+          </a:xfrm>
+          <a:prstGeom prst="straightConnector1">
+            <a:avLst/>
+          </a:prstGeom>
+          <a:ln w="76200">
+            <a:tailEnd type="triangle"/>
+          </a:ln>
+        </p:spPr>
+        <p:style>
+          <a:lnRef idx="1">
+            <a:schemeClr val="accent1"/>
+          </a:lnRef>
+          <a:fillRef idx="0">
+            <a:schemeClr val="accent1"/>
+          </a:fillRef>
+          <a:effectRef idx="0">
+            <a:schemeClr val="accent1"/>
+          </a:effectRef>
+          <a:fontRef idx="minor">
+            <a:schemeClr val="tx1"/>
+          </a:fontRef>
+        </p:style>
+      </p:cxnSp>
+      <p:cxnSp>
+        <p:nvCxnSpPr>
+          <p:cNvPr id="10" name="Straight Arrow Connector 9">
+            <a:extLst>
+              <a:ext uri="{FF2B5EF4-FFF2-40B4-BE49-F238E27FC236}">
+                <a16:creationId xmlns:a16="http://schemas.microsoft.com/office/drawing/2014/main" id="{2F588D06-C87E-4E57-83FD-61D45A208FC9}"/>
+              </a:ext>
+            </a:extLst>
+          </p:cNvPr>
+          <p:cNvCxnSpPr>
+            <a:cxnSpLocks/>
+          </p:cNvCxnSpPr>
+          <p:nvPr/>
+        </p:nvCxnSpPr>
+        <p:spPr>
+          <a:xfrm flipV="1">
+            <a:off x="2545616" y="2617516"/>
+            <a:ext cx="4460189" cy="1646623"/>
+          </a:xfrm>
+          <a:prstGeom prst="straightConnector1">
+            <a:avLst/>
+          </a:prstGeom>
+          <a:ln w="76200">
+            <a:tailEnd type="triangle"/>
+          </a:ln>
+        </p:spPr>
+        <p:style>
+          <a:lnRef idx="1">
+            <a:schemeClr val="accent1"/>
+          </a:lnRef>
+          <a:fillRef idx="0">
+            <a:schemeClr val="accent1"/>
+          </a:fillRef>
+          <a:effectRef idx="0">
+            <a:schemeClr val="accent1"/>
+          </a:effectRef>
+          <a:fontRef idx="minor">
+            <a:schemeClr val="tx1"/>
+          </a:fontRef>
+        </p:style>
+      </p:cxnSp>
+      <p:cxnSp>
+        <p:nvCxnSpPr>
+          <p:cNvPr id="11" name="Straight Arrow Connector 10">
+            <a:extLst>
+              <a:ext uri="{FF2B5EF4-FFF2-40B4-BE49-F238E27FC236}">
+                <a16:creationId xmlns:a16="http://schemas.microsoft.com/office/drawing/2014/main" id="{A6955B52-ACEF-4F3A-A5B1-8717DC4B1E9E}"/>
+              </a:ext>
+            </a:extLst>
+          </p:cNvPr>
+          <p:cNvCxnSpPr>
+            <a:cxnSpLocks/>
+          </p:cNvCxnSpPr>
+          <p:nvPr/>
+        </p:nvCxnSpPr>
+        <p:spPr>
+          <a:xfrm flipH="1">
+            <a:off x="2518047" y="2646072"/>
+            <a:ext cx="5219891" cy="1960654"/>
+          </a:xfrm>
+          <a:prstGeom prst="straightConnector1">
+            <a:avLst/>
+          </a:prstGeom>
+          <a:ln w="76200">
+            <a:tailEnd type="triangle"/>
+          </a:ln>
+        </p:spPr>
+        <p:style>
+          <a:lnRef idx="1">
+            <a:schemeClr val="accent1"/>
+          </a:lnRef>
+          <a:fillRef idx="0">
+            <a:schemeClr val="accent1"/>
+          </a:fillRef>
+          <a:effectRef idx="0">
+            <a:schemeClr val="accent1"/>
+          </a:effectRef>
+          <a:fontRef idx="minor">
+            <a:schemeClr val="tx1"/>
+          </a:fontRef>
+        </p:style>
+      </p:cxnSp>
+      <p:sp>
+        <p:nvSpPr>
+          <p:cNvPr id="12" name="Rectangle 11">
+            <a:extLst>
+              <a:ext uri="{FF2B5EF4-FFF2-40B4-BE49-F238E27FC236}">
+                <a16:creationId xmlns:a16="http://schemas.microsoft.com/office/drawing/2014/main" id="{5A13F5B3-5C4D-4851-96B1-A6D70C7F4A09}"/>
+              </a:ext>
+            </a:extLst>
+          </p:cNvPr>
+          <p:cNvSpPr/>
+          <p:nvPr/>
+        </p:nvSpPr>
+        <p:spPr>
+          <a:xfrm>
+            <a:off x="2003409" y="4365226"/>
+            <a:ext cx="831690" cy="898318"/>
+          </a:xfrm>
+          <a:prstGeom prst="rect">
+            <a:avLst/>
+          </a:prstGeom>
+        </p:spPr>
+        <p:style>
+          <a:lnRef idx="2">
+            <a:schemeClr val="accent6">
+              <a:shade val="50000"/>
+            </a:schemeClr>
+          </a:lnRef>
+          <a:fillRef idx="1">
+            <a:schemeClr val="accent6"/>
+          </a:fillRef>
+          <a:effectRef idx="0">
+            <a:schemeClr val="accent6"/>
+          </a:effectRef>
+          <a:fontRef idx="minor">
+            <a:schemeClr val="lt1"/>
+          </a:fontRef>
+        </p:style>
+        <p:txBody>
+          <a:bodyPr rtlCol="0" anchor="ctr"/>
+          <a:lstStyle/>
+          <a:p>
+            <a:pPr algn="ctr"/>
+            <a:r>
+              <a:rPr lang="fr-FR" dirty="0"/>
+              <a:t>CORS</a:t>
+            </a:r>
+          </a:p>
+        </p:txBody>
+      </p:sp>
+      <p:cxnSp>
+        <p:nvCxnSpPr>
+          <p:cNvPr id="16" name="Straight Arrow Connector 15">
+            <a:extLst>
+              <a:ext uri="{FF2B5EF4-FFF2-40B4-BE49-F238E27FC236}">
+                <a16:creationId xmlns:a16="http://schemas.microsoft.com/office/drawing/2014/main" id="{6B104448-9367-4EAE-92A5-9B0B1813306E}"/>
+              </a:ext>
+            </a:extLst>
+          </p:cNvPr>
+          <p:cNvCxnSpPr/>
+          <p:nvPr/>
+        </p:nvCxnSpPr>
+        <p:spPr>
+          <a:xfrm>
+            <a:off x="7145186" y="2689385"/>
+            <a:ext cx="0" cy="1722601"/>
+          </a:xfrm>
+          <a:prstGeom prst="straightConnector1">
+            <a:avLst/>
+          </a:prstGeom>
+          <a:ln w="76200">
+            <a:tailEnd type="triangle"/>
+          </a:ln>
+        </p:spPr>
+        <p:style>
+          <a:lnRef idx="1">
+            <a:schemeClr val="accent1"/>
+          </a:lnRef>
+          <a:fillRef idx="0">
+            <a:schemeClr val="accent1"/>
+          </a:fillRef>
+          <a:effectRef idx="0">
+            <a:schemeClr val="accent1"/>
+          </a:effectRef>
+          <a:fontRef idx="minor">
+            <a:schemeClr val="tx1"/>
+          </a:fontRef>
+        </p:style>
+      </p:cxnSp>
+      <p:cxnSp>
+        <p:nvCxnSpPr>
+          <p:cNvPr id="18" name="Straight Arrow Connector 17">
+            <a:extLst>
+              <a:ext uri="{FF2B5EF4-FFF2-40B4-BE49-F238E27FC236}">
+                <a16:creationId xmlns:a16="http://schemas.microsoft.com/office/drawing/2014/main" id="{D531BCA7-6629-41BD-8F67-B089AC97E08C}"/>
+              </a:ext>
+            </a:extLst>
+          </p:cNvPr>
+          <p:cNvCxnSpPr/>
+          <p:nvPr/>
+        </p:nvCxnSpPr>
+        <p:spPr>
+          <a:xfrm flipV="1">
+            <a:off x="7783887" y="2633687"/>
+            <a:ext cx="32165" cy="1731539"/>
+          </a:xfrm>
+          <a:prstGeom prst="straightConnector1">
+            <a:avLst/>
+          </a:prstGeom>
+          <a:ln w="76200">
+            <a:tailEnd type="triangle"/>
+          </a:ln>
+        </p:spPr>
+        <p:style>
+          <a:lnRef idx="1">
+            <a:schemeClr val="accent1"/>
+          </a:lnRef>
+          <a:fillRef idx="0">
+            <a:schemeClr val="accent1"/>
+          </a:fillRef>
+          <a:effectRef idx="0">
+            <a:schemeClr val="accent1"/>
+          </a:effectRef>
+          <a:fontRef idx="minor">
+            <a:schemeClr val="tx1"/>
+          </a:fontRef>
+        </p:style>
+      </p:cxnSp>
+    </p:spTree>
+    <p:extLst>
+      <p:ext uri="{BB962C8B-B14F-4D97-AF65-F5344CB8AC3E}">
+        <p14:creationId xmlns:p14="http://schemas.microsoft.com/office/powerpoint/2010/main" val="2962245056"/>
+      </p:ext>
+    </p:extLst>
+  </p:cSld>
+  <p:clrMapOvr>
+    <a:masterClrMapping/>
+  </p:clrMapOvr>
+</p:sld>
+</file>
+
+<file path=ppt/slides/slide22.xml><?xml version="1.0" encoding="utf-8"?>
+<p:sld xmlns:a="http://schemas.openxmlformats.org/drawingml/2006/main" xmlns:r="http://schemas.openxmlformats.org/officeDocument/2006/relationships" xmlns:p="http://schemas.openxmlformats.org/presentationml/2006/main">
+  <p:cSld>
+    <p:spTree>
+      <p:nvGrpSpPr>
+        <p:cNvPr id="1" name=""/>
+        <p:cNvGrpSpPr/>
+        <p:nvPr/>
+      </p:nvGrpSpPr>
+      <p:grpSpPr>
+        <a:xfrm>
+          <a:off x="0" y="0"/>
+          <a:ext cx="0" cy="0"/>
+          <a:chOff x="0" y="0"/>
+          <a:chExt cx="0" cy="0"/>
+        </a:xfrm>
+      </p:grpSpPr>
+      <p:sp>
+        <p:nvSpPr>
+          <p:cNvPr id="2" name="Title 1">
+            <a:extLst>
+              <a:ext uri="{FF2B5EF4-FFF2-40B4-BE49-F238E27FC236}">
+                <a16:creationId xmlns:a16="http://schemas.microsoft.com/office/drawing/2014/main" id="{6C33B34E-F109-4074-BBCA-88D78CEDDC3B}"/>
+              </a:ext>
+            </a:extLst>
+          </p:cNvPr>
+          <p:cNvSpPr>
+            <a:spLocks noGrp="1"/>
+          </p:cNvSpPr>
+          <p:nvPr>
+            <p:ph type="title"/>
+          </p:nvPr>
+        </p:nvSpPr>
+        <p:spPr/>
+        <p:txBody>
+          <a:bodyPr/>
+          <a:lstStyle/>
+          <a:p>
+            <a:r>
+              <a:rPr lang="fr-FR" dirty="0"/>
+              <a:t>Mettre en prod</a:t>
+            </a:r>
+          </a:p>
+        </p:txBody>
+      </p:sp>
+      <p:sp>
+        <p:nvSpPr>
+          <p:cNvPr id="3" name="Content Placeholder 2">
+            <a:extLst>
+              <a:ext uri="{FF2B5EF4-FFF2-40B4-BE49-F238E27FC236}">
+                <a16:creationId xmlns:a16="http://schemas.microsoft.com/office/drawing/2014/main" id="{BA81748B-90D7-4E87-8484-B5394395B172}"/>
+              </a:ext>
+            </a:extLst>
+          </p:cNvPr>
+          <p:cNvSpPr>
+            <a:spLocks noGrp="1"/>
+          </p:cNvSpPr>
+          <p:nvPr>
+            <p:ph idx="1"/>
+          </p:nvPr>
+        </p:nvSpPr>
+        <p:spPr/>
+        <p:txBody>
+          <a:bodyPr/>
+          <a:lstStyle/>
+          <a:p>
+            <a:r>
+              <a:rPr lang="fr-FR"/>
+              <a:t>pm2</a:t>
+            </a:r>
+          </a:p>
+        </p:txBody>
+      </p:sp>
+    </p:spTree>
+    <p:extLst>
+      <p:ext uri="{BB962C8B-B14F-4D97-AF65-F5344CB8AC3E}">
+        <p14:creationId xmlns:p14="http://schemas.microsoft.com/office/powerpoint/2010/main" val="3091339083"/>
       </p:ext>
     </p:extLst>
   </p:cSld>

--- a/notes.pptx
+++ b/notes.pptx
@@ -27,6 +27,8 @@
     <p:sldId id="275" r:id="rId21"/>
     <p:sldId id="276" r:id="rId22"/>
     <p:sldId id="277" r:id="rId23"/>
+    <p:sldId id="278" r:id="rId24"/>
+    <p:sldId id="279" r:id="rId25"/>
   </p:sldIdLst>
   <p:sldSz cx="12192000" cy="6858000"/>
   <p:notesSz cx="6858000" cy="9144000"/>
@@ -8322,6 +8324,1350 @@
     <p:extLst>
       <p:ext uri="{BB962C8B-B14F-4D97-AF65-F5344CB8AC3E}">
         <p14:creationId xmlns:p14="http://schemas.microsoft.com/office/powerpoint/2010/main" val="3091339083"/>
+      </p:ext>
+    </p:extLst>
+  </p:cSld>
+  <p:clrMapOvr>
+    <a:masterClrMapping/>
+  </p:clrMapOvr>
+</p:sld>
+</file>
+
+<file path=ppt/slides/slide23.xml><?xml version="1.0" encoding="utf-8"?>
+<p:sld xmlns:a="http://schemas.openxmlformats.org/drawingml/2006/main" xmlns:r="http://schemas.openxmlformats.org/officeDocument/2006/relationships" xmlns:p="http://schemas.openxmlformats.org/presentationml/2006/main">
+  <p:cSld>
+    <p:spTree>
+      <p:nvGrpSpPr>
+        <p:cNvPr id="1" name=""/>
+        <p:cNvGrpSpPr/>
+        <p:nvPr/>
+      </p:nvGrpSpPr>
+      <p:grpSpPr>
+        <a:xfrm>
+          <a:off x="0" y="0"/>
+          <a:ext cx="0" cy="0"/>
+          <a:chOff x="0" y="0"/>
+          <a:chExt cx="0" cy="0"/>
+        </a:xfrm>
+      </p:grpSpPr>
+      <p:sp>
+        <p:nvSpPr>
+          <p:cNvPr id="4" name="Rectangle 3">
+            <a:extLst>
+              <a:ext uri="{FF2B5EF4-FFF2-40B4-BE49-F238E27FC236}">
+                <a16:creationId xmlns:a16="http://schemas.microsoft.com/office/drawing/2014/main" id="{A182B3B0-8A6B-47F1-BE2E-FA673003B0E9}"/>
+              </a:ext>
+            </a:extLst>
+          </p:cNvPr>
+          <p:cNvSpPr/>
+          <p:nvPr/>
+        </p:nvSpPr>
+        <p:spPr>
+          <a:xfrm>
+            <a:off x="9001556" y="588157"/>
+            <a:ext cx="1153338" cy="624916"/>
+          </a:xfrm>
+          <a:prstGeom prst="rect">
+            <a:avLst/>
+          </a:prstGeom>
+        </p:spPr>
+        <p:style>
+          <a:lnRef idx="2">
+            <a:schemeClr val="accent1">
+              <a:shade val="50000"/>
+            </a:schemeClr>
+          </a:lnRef>
+          <a:fillRef idx="1">
+            <a:schemeClr val="accent1"/>
+          </a:fillRef>
+          <a:effectRef idx="0">
+            <a:schemeClr val="accent1"/>
+          </a:effectRef>
+          <a:fontRef idx="minor">
+            <a:schemeClr val="lt1"/>
+          </a:fontRef>
+        </p:style>
+        <p:txBody>
+          <a:bodyPr rtlCol="0" anchor="ctr"/>
+          <a:lstStyle/>
+          <a:p>
+            <a:pPr algn="ctr"/>
+            <a:endParaRPr lang="fr-FR"/>
+          </a:p>
+        </p:txBody>
+      </p:sp>
+      <p:sp>
+        <p:nvSpPr>
+          <p:cNvPr id="5" name="Rectangle 4">
+            <a:extLst>
+              <a:ext uri="{FF2B5EF4-FFF2-40B4-BE49-F238E27FC236}">
+                <a16:creationId xmlns:a16="http://schemas.microsoft.com/office/drawing/2014/main" id="{83B5D86C-CDCD-4DCF-AC79-5E0F60C85D0D}"/>
+              </a:ext>
+            </a:extLst>
+          </p:cNvPr>
+          <p:cNvSpPr/>
+          <p:nvPr/>
+        </p:nvSpPr>
+        <p:spPr>
+          <a:xfrm>
+            <a:off x="7848218" y="1857136"/>
+            <a:ext cx="1153338" cy="624916"/>
+          </a:xfrm>
+          <a:prstGeom prst="rect">
+            <a:avLst/>
+          </a:prstGeom>
+        </p:spPr>
+        <p:style>
+          <a:lnRef idx="2">
+            <a:schemeClr val="accent1">
+              <a:shade val="50000"/>
+            </a:schemeClr>
+          </a:lnRef>
+          <a:fillRef idx="1">
+            <a:schemeClr val="accent1"/>
+          </a:fillRef>
+          <a:effectRef idx="0">
+            <a:schemeClr val="accent1"/>
+          </a:effectRef>
+          <a:fontRef idx="minor">
+            <a:schemeClr val="lt1"/>
+          </a:fontRef>
+        </p:style>
+        <p:txBody>
+          <a:bodyPr rtlCol="0" anchor="ctr"/>
+          <a:lstStyle/>
+          <a:p>
+            <a:pPr algn="ctr"/>
+            <a:endParaRPr lang="fr-FR"/>
+          </a:p>
+        </p:txBody>
+      </p:sp>
+      <p:sp>
+        <p:nvSpPr>
+          <p:cNvPr id="6" name="Rectangle 5">
+            <a:extLst>
+              <a:ext uri="{FF2B5EF4-FFF2-40B4-BE49-F238E27FC236}">
+                <a16:creationId xmlns:a16="http://schemas.microsoft.com/office/drawing/2014/main" id="{D25E62EA-0781-40D4-AE41-083203F53914}"/>
+              </a:ext>
+            </a:extLst>
+          </p:cNvPr>
+          <p:cNvSpPr/>
+          <p:nvPr/>
+        </p:nvSpPr>
+        <p:spPr>
+          <a:xfrm>
+            <a:off x="9411276" y="1876282"/>
+            <a:ext cx="1153338" cy="624916"/>
+          </a:xfrm>
+          <a:prstGeom prst="rect">
+            <a:avLst/>
+          </a:prstGeom>
+        </p:spPr>
+        <p:style>
+          <a:lnRef idx="2">
+            <a:schemeClr val="accent1">
+              <a:shade val="50000"/>
+            </a:schemeClr>
+          </a:lnRef>
+          <a:fillRef idx="1">
+            <a:schemeClr val="accent1"/>
+          </a:fillRef>
+          <a:effectRef idx="0">
+            <a:schemeClr val="accent1"/>
+          </a:effectRef>
+          <a:fontRef idx="minor">
+            <a:schemeClr val="lt1"/>
+          </a:fontRef>
+        </p:style>
+        <p:txBody>
+          <a:bodyPr rtlCol="0" anchor="ctr"/>
+          <a:lstStyle/>
+          <a:p>
+            <a:pPr algn="ctr"/>
+            <a:endParaRPr lang="fr-FR"/>
+          </a:p>
+        </p:txBody>
+      </p:sp>
+      <p:sp>
+        <p:nvSpPr>
+          <p:cNvPr id="7" name="Rectangle 6">
+            <a:extLst>
+              <a:ext uri="{FF2B5EF4-FFF2-40B4-BE49-F238E27FC236}">
+                <a16:creationId xmlns:a16="http://schemas.microsoft.com/office/drawing/2014/main" id="{42F51381-DB06-4CA0-978A-28930349D55C}"/>
+              </a:ext>
+            </a:extLst>
+          </p:cNvPr>
+          <p:cNvSpPr/>
+          <p:nvPr/>
+        </p:nvSpPr>
+        <p:spPr>
+          <a:xfrm>
+            <a:off x="10910003" y="1857136"/>
+            <a:ext cx="1153338" cy="624916"/>
+          </a:xfrm>
+          <a:prstGeom prst="rect">
+            <a:avLst/>
+          </a:prstGeom>
+        </p:spPr>
+        <p:style>
+          <a:lnRef idx="2">
+            <a:schemeClr val="accent1">
+              <a:shade val="50000"/>
+            </a:schemeClr>
+          </a:lnRef>
+          <a:fillRef idx="1">
+            <a:schemeClr val="accent1"/>
+          </a:fillRef>
+          <a:effectRef idx="0">
+            <a:schemeClr val="accent1"/>
+          </a:effectRef>
+          <a:fontRef idx="minor">
+            <a:schemeClr val="lt1"/>
+          </a:fontRef>
+        </p:style>
+        <p:txBody>
+          <a:bodyPr rtlCol="0" anchor="ctr"/>
+          <a:lstStyle/>
+          <a:p>
+            <a:pPr algn="ctr"/>
+            <a:endParaRPr lang="fr-FR"/>
+          </a:p>
+        </p:txBody>
+      </p:sp>
+      <p:sp>
+        <p:nvSpPr>
+          <p:cNvPr id="8" name="Rectangle 7">
+            <a:extLst>
+              <a:ext uri="{FF2B5EF4-FFF2-40B4-BE49-F238E27FC236}">
+                <a16:creationId xmlns:a16="http://schemas.microsoft.com/office/drawing/2014/main" id="{A20C555D-7681-4192-84A4-F66EFFFC342E}"/>
+              </a:ext>
+            </a:extLst>
+          </p:cNvPr>
+          <p:cNvSpPr/>
+          <p:nvPr/>
+        </p:nvSpPr>
+        <p:spPr>
+          <a:xfrm>
+            <a:off x="9099583" y="2901727"/>
+            <a:ext cx="1153338" cy="624916"/>
+          </a:xfrm>
+          <a:prstGeom prst="rect">
+            <a:avLst/>
+          </a:prstGeom>
+        </p:spPr>
+        <p:style>
+          <a:lnRef idx="2">
+            <a:schemeClr val="accent1">
+              <a:shade val="50000"/>
+            </a:schemeClr>
+          </a:lnRef>
+          <a:fillRef idx="1">
+            <a:schemeClr val="accent1"/>
+          </a:fillRef>
+          <a:effectRef idx="0">
+            <a:schemeClr val="accent1"/>
+          </a:effectRef>
+          <a:fontRef idx="minor">
+            <a:schemeClr val="lt1"/>
+          </a:fontRef>
+        </p:style>
+        <p:txBody>
+          <a:bodyPr rtlCol="0" anchor="ctr"/>
+          <a:lstStyle/>
+          <a:p>
+            <a:pPr algn="ctr"/>
+            <a:endParaRPr lang="fr-FR"/>
+          </a:p>
+        </p:txBody>
+      </p:sp>
+      <p:sp>
+        <p:nvSpPr>
+          <p:cNvPr id="9" name="Rectangle 8">
+            <a:extLst>
+              <a:ext uri="{FF2B5EF4-FFF2-40B4-BE49-F238E27FC236}">
+                <a16:creationId xmlns:a16="http://schemas.microsoft.com/office/drawing/2014/main" id="{403C9368-8E07-4D8F-97DD-A52D6BF7A439}"/>
+              </a:ext>
+            </a:extLst>
+          </p:cNvPr>
+          <p:cNvSpPr/>
+          <p:nvPr/>
+        </p:nvSpPr>
+        <p:spPr>
+          <a:xfrm>
+            <a:off x="8257938" y="3927172"/>
+            <a:ext cx="1153338" cy="624916"/>
+          </a:xfrm>
+          <a:prstGeom prst="rect">
+            <a:avLst/>
+          </a:prstGeom>
+        </p:spPr>
+        <p:style>
+          <a:lnRef idx="2">
+            <a:schemeClr val="accent1">
+              <a:shade val="50000"/>
+            </a:schemeClr>
+          </a:lnRef>
+          <a:fillRef idx="1">
+            <a:schemeClr val="accent1"/>
+          </a:fillRef>
+          <a:effectRef idx="0">
+            <a:schemeClr val="accent1"/>
+          </a:effectRef>
+          <a:fontRef idx="minor">
+            <a:schemeClr val="lt1"/>
+          </a:fontRef>
+        </p:style>
+        <p:txBody>
+          <a:bodyPr rtlCol="0" anchor="ctr"/>
+          <a:lstStyle/>
+          <a:p>
+            <a:pPr algn="ctr"/>
+            <a:endParaRPr lang="fr-FR"/>
+          </a:p>
+        </p:txBody>
+      </p:sp>
+      <p:sp>
+        <p:nvSpPr>
+          <p:cNvPr id="10" name="Rectangle 9">
+            <a:extLst>
+              <a:ext uri="{FF2B5EF4-FFF2-40B4-BE49-F238E27FC236}">
+                <a16:creationId xmlns:a16="http://schemas.microsoft.com/office/drawing/2014/main" id="{5F29C8AE-7AED-4F8D-BBC0-BC8ABFEC0F8B}"/>
+              </a:ext>
+            </a:extLst>
+          </p:cNvPr>
+          <p:cNvSpPr/>
+          <p:nvPr/>
+        </p:nvSpPr>
+        <p:spPr>
+          <a:xfrm>
+            <a:off x="9987945" y="3927172"/>
+            <a:ext cx="1153338" cy="624916"/>
+          </a:xfrm>
+          <a:prstGeom prst="rect">
+            <a:avLst/>
+          </a:prstGeom>
+        </p:spPr>
+        <p:style>
+          <a:lnRef idx="2">
+            <a:schemeClr val="accent1">
+              <a:shade val="50000"/>
+            </a:schemeClr>
+          </a:lnRef>
+          <a:fillRef idx="1">
+            <a:schemeClr val="accent1"/>
+          </a:fillRef>
+          <a:effectRef idx="0">
+            <a:schemeClr val="accent1"/>
+          </a:effectRef>
+          <a:fontRef idx="minor">
+            <a:schemeClr val="lt1"/>
+          </a:fontRef>
+        </p:style>
+        <p:txBody>
+          <a:bodyPr rtlCol="0" anchor="ctr"/>
+          <a:lstStyle/>
+          <a:p>
+            <a:pPr algn="ctr"/>
+            <a:endParaRPr lang="fr-FR"/>
+          </a:p>
+        </p:txBody>
+      </p:sp>
+      <p:cxnSp>
+        <p:nvCxnSpPr>
+          <p:cNvPr id="14" name="Straight Arrow Connector 13">
+            <a:extLst>
+              <a:ext uri="{FF2B5EF4-FFF2-40B4-BE49-F238E27FC236}">
+                <a16:creationId xmlns:a16="http://schemas.microsoft.com/office/drawing/2014/main" id="{32E2AF7E-4AD7-4E56-8A5A-785F4DB14AA8}"/>
+              </a:ext>
+            </a:extLst>
+          </p:cNvPr>
+          <p:cNvCxnSpPr>
+            <a:stCxn id="6" idx="0"/>
+            <a:endCxn id="4" idx="2"/>
+          </p:cNvCxnSpPr>
+          <p:nvPr/>
+        </p:nvCxnSpPr>
+        <p:spPr>
+          <a:xfrm flipH="1" flipV="1">
+            <a:off x="9578225" y="1213073"/>
+            <a:ext cx="409720" cy="663209"/>
+          </a:xfrm>
+          <a:prstGeom prst="straightConnector1">
+            <a:avLst/>
+          </a:prstGeom>
+          <a:ln w="76200">
+            <a:tailEnd type="triangle"/>
+          </a:ln>
+        </p:spPr>
+        <p:style>
+          <a:lnRef idx="1">
+            <a:schemeClr val="accent1"/>
+          </a:lnRef>
+          <a:fillRef idx="0">
+            <a:schemeClr val="accent1"/>
+          </a:fillRef>
+          <a:effectRef idx="0">
+            <a:schemeClr val="accent1"/>
+          </a:effectRef>
+          <a:fontRef idx="minor">
+            <a:schemeClr val="tx1"/>
+          </a:fontRef>
+        </p:style>
+      </p:cxnSp>
+      <p:cxnSp>
+        <p:nvCxnSpPr>
+          <p:cNvPr id="16" name="Straight Arrow Connector 15">
+            <a:extLst>
+              <a:ext uri="{FF2B5EF4-FFF2-40B4-BE49-F238E27FC236}">
+                <a16:creationId xmlns:a16="http://schemas.microsoft.com/office/drawing/2014/main" id="{492D2E16-D22E-4F98-96E4-A41A9FA29AAE}"/>
+              </a:ext>
+            </a:extLst>
+          </p:cNvPr>
+          <p:cNvCxnSpPr>
+            <a:stCxn id="5" idx="0"/>
+            <a:endCxn id="4" idx="2"/>
+          </p:cNvCxnSpPr>
+          <p:nvPr/>
+        </p:nvCxnSpPr>
+        <p:spPr>
+          <a:xfrm flipV="1">
+            <a:off x="8424887" y="1213073"/>
+            <a:ext cx="1153338" cy="644063"/>
+          </a:xfrm>
+          <a:prstGeom prst="straightConnector1">
+            <a:avLst/>
+          </a:prstGeom>
+          <a:ln w="76200">
+            <a:tailEnd type="triangle"/>
+          </a:ln>
+        </p:spPr>
+        <p:style>
+          <a:lnRef idx="1">
+            <a:schemeClr val="accent1"/>
+          </a:lnRef>
+          <a:fillRef idx="0">
+            <a:schemeClr val="accent1"/>
+          </a:fillRef>
+          <a:effectRef idx="0">
+            <a:schemeClr val="accent1"/>
+          </a:effectRef>
+          <a:fontRef idx="minor">
+            <a:schemeClr val="tx1"/>
+          </a:fontRef>
+        </p:style>
+      </p:cxnSp>
+      <p:cxnSp>
+        <p:nvCxnSpPr>
+          <p:cNvPr id="18" name="Straight Arrow Connector 17">
+            <a:extLst>
+              <a:ext uri="{FF2B5EF4-FFF2-40B4-BE49-F238E27FC236}">
+                <a16:creationId xmlns:a16="http://schemas.microsoft.com/office/drawing/2014/main" id="{7CF76624-EFF6-4912-857B-C555E7B32D2B}"/>
+              </a:ext>
+            </a:extLst>
+          </p:cNvPr>
+          <p:cNvCxnSpPr>
+            <a:stCxn id="7" idx="0"/>
+            <a:endCxn id="4" idx="2"/>
+          </p:cNvCxnSpPr>
+          <p:nvPr/>
+        </p:nvCxnSpPr>
+        <p:spPr>
+          <a:xfrm flipH="1" flipV="1">
+            <a:off x="9578225" y="1213073"/>
+            <a:ext cx="1908447" cy="644063"/>
+          </a:xfrm>
+          <a:prstGeom prst="straightConnector1">
+            <a:avLst/>
+          </a:prstGeom>
+          <a:ln w="76200">
+            <a:tailEnd type="triangle"/>
+          </a:ln>
+        </p:spPr>
+        <p:style>
+          <a:lnRef idx="1">
+            <a:schemeClr val="accent1"/>
+          </a:lnRef>
+          <a:fillRef idx="0">
+            <a:schemeClr val="accent1"/>
+          </a:fillRef>
+          <a:effectRef idx="0">
+            <a:schemeClr val="accent1"/>
+          </a:effectRef>
+          <a:fontRef idx="minor">
+            <a:schemeClr val="tx1"/>
+          </a:fontRef>
+        </p:style>
+      </p:cxnSp>
+      <p:cxnSp>
+        <p:nvCxnSpPr>
+          <p:cNvPr id="20" name="Straight Arrow Connector 19">
+            <a:extLst>
+              <a:ext uri="{FF2B5EF4-FFF2-40B4-BE49-F238E27FC236}">
+                <a16:creationId xmlns:a16="http://schemas.microsoft.com/office/drawing/2014/main" id="{34EA27EF-7AFA-468C-8484-4DE9614D2054}"/>
+              </a:ext>
+            </a:extLst>
+          </p:cNvPr>
+          <p:cNvCxnSpPr>
+            <a:stCxn id="8" idx="0"/>
+            <a:endCxn id="6" idx="2"/>
+          </p:cNvCxnSpPr>
+          <p:nvPr/>
+        </p:nvCxnSpPr>
+        <p:spPr>
+          <a:xfrm flipV="1">
+            <a:off x="9676252" y="2501198"/>
+            <a:ext cx="311693" cy="400529"/>
+          </a:xfrm>
+          <a:prstGeom prst="straightConnector1">
+            <a:avLst/>
+          </a:prstGeom>
+          <a:ln w="76200">
+            <a:tailEnd type="triangle"/>
+          </a:ln>
+        </p:spPr>
+        <p:style>
+          <a:lnRef idx="1">
+            <a:schemeClr val="accent1"/>
+          </a:lnRef>
+          <a:fillRef idx="0">
+            <a:schemeClr val="accent1"/>
+          </a:fillRef>
+          <a:effectRef idx="0">
+            <a:schemeClr val="accent1"/>
+          </a:effectRef>
+          <a:fontRef idx="minor">
+            <a:schemeClr val="tx1"/>
+          </a:fontRef>
+        </p:style>
+      </p:cxnSp>
+      <p:cxnSp>
+        <p:nvCxnSpPr>
+          <p:cNvPr id="22" name="Straight Arrow Connector 21">
+            <a:extLst>
+              <a:ext uri="{FF2B5EF4-FFF2-40B4-BE49-F238E27FC236}">
+                <a16:creationId xmlns:a16="http://schemas.microsoft.com/office/drawing/2014/main" id="{6BC8F99D-24B6-4C06-8B39-4B85BBEF8FDF}"/>
+              </a:ext>
+            </a:extLst>
+          </p:cNvPr>
+          <p:cNvCxnSpPr>
+            <a:stCxn id="9" idx="0"/>
+            <a:endCxn id="8" idx="2"/>
+          </p:cNvCxnSpPr>
+          <p:nvPr/>
+        </p:nvCxnSpPr>
+        <p:spPr>
+          <a:xfrm flipV="1">
+            <a:off x="8834607" y="3526643"/>
+            <a:ext cx="841645" cy="400529"/>
+          </a:xfrm>
+          <a:prstGeom prst="straightConnector1">
+            <a:avLst/>
+          </a:prstGeom>
+          <a:ln w="76200">
+            <a:tailEnd type="triangle"/>
+          </a:ln>
+        </p:spPr>
+        <p:style>
+          <a:lnRef idx="1">
+            <a:schemeClr val="accent1"/>
+          </a:lnRef>
+          <a:fillRef idx="0">
+            <a:schemeClr val="accent1"/>
+          </a:fillRef>
+          <a:effectRef idx="0">
+            <a:schemeClr val="accent1"/>
+          </a:effectRef>
+          <a:fontRef idx="minor">
+            <a:schemeClr val="tx1"/>
+          </a:fontRef>
+        </p:style>
+      </p:cxnSp>
+      <p:cxnSp>
+        <p:nvCxnSpPr>
+          <p:cNvPr id="24" name="Straight Arrow Connector 23">
+            <a:extLst>
+              <a:ext uri="{FF2B5EF4-FFF2-40B4-BE49-F238E27FC236}">
+                <a16:creationId xmlns:a16="http://schemas.microsoft.com/office/drawing/2014/main" id="{A942C161-160C-443F-AF22-750DACFC6368}"/>
+              </a:ext>
+            </a:extLst>
+          </p:cNvPr>
+          <p:cNvCxnSpPr>
+            <a:stCxn id="10" idx="0"/>
+            <a:endCxn id="8" idx="2"/>
+          </p:cNvCxnSpPr>
+          <p:nvPr/>
+        </p:nvCxnSpPr>
+        <p:spPr>
+          <a:xfrm flipH="1" flipV="1">
+            <a:off x="9676252" y="3526643"/>
+            <a:ext cx="888362" cy="400529"/>
+          </a:xfrm>
+          <a:prstGeom prst="straightConnector1">
+            <a:avLst/>
+          </a:prstGeom>
+          <a:ln w="76200">
+            <a:tailEnd type="triangle"/>
+          </a:ln>
+        </p:spPr>
+        <p:style>
+          <a:lnRef idx="1">
+            <a:schemeClr val="accent1"/>
+          </a:lnRef>
+          <a:fillRef idx="0">
+            <a:schemeClr val="accent1"/>
+          </a:fillRef>
+          <a:effectRef idx="0">
+            <a:schemeClr val="accent1"/>
+          </a:effectRef>
+          <a:fontRef idx="minor">
+            <a:schemeClr val="tx1"/>
+          </a:fontRef>
+        </p:style>
+      </p:cxnSp>
+      <p:sp>
+        <p:nvSpPr>
+          <p:cNvPr id="25" name="Rectangle 24">
+            <a:extLst>
+              <a:ext uri="{FF2B5EF4-FFF2-40B4-BE49-F238E27FC236}">
+                <a16:creationId xmlns:a16="http://schemas.microsoft.com/office/drawing/2014/main" id="{A23DCCE2-8BE6-4036-9BFA-905B1CF8A776}"/>
+              </a:ext>
+            </a:extLst>
+          </p:cNvPr>
+          <p:cNvSpPr/>
+          <p:nvPr/>
+        </p:nvSpPr>
+        <p:spPr>
+          <a:xfrm>
+            <a:off x="390572" y="666271"/>
+            <a:ext cx="5397566" cy="4314682"/>
+          </a:xfrm>
+          <a:prstGeom prst="rect">
+            <a:avLst/>
+          </a:prstGeom>
+        </p:spPr>
+        <p:style>
+          <a:lnRef idx="2">
+            <a:schemeClr val="dk1"/>
+          </a:lnRef>
+          <a:fillRef idx="1">
+            <a:schemeClr val="lt1"/>
+          </a:fillRef>
+          <a:effectRef idx="0">
+            <a:schemeClr val="dk1"/>
+          </a:effectRef>
+          <a:fontRef idx="minor">
+            <a:schemeClr val="dk1"/>
+          </a:fontRef>
+        </p:style>
+        <p:txBody>
+          <a:bodyPr rtlCol="0" anchor="ctr"/>
+          <a:lstStyle/>
+          <a:p>
+            <a:pPr algn="ctr"/>
+            <a:endParaRPr lang="fr-FR"/>
+          </a:p>
+        </p:txBody>
+      </p:sp>
+      <p:sp>
+        <p:nvSpPr>
+          <p:cNvPr id="26" name="TextBox 25">
+            <a:extLst>
+              <a:ext uri="{FF2B5EF4-FFF2-40B4-BE49-F238E27FC236}">
+                <a16:creationId xmlns:a16="http://schemas.microsoft.com/office/drawing/2014/main" id="{F111B596-36C1-4E23-A457-71C96A3D339B}"/>
+              </a:ext>
+            </a:extLst>
+          </p:cNvPr>
+          <p:cNvSpPr txBox="1"/>
+          <p:nvPr/>
+        </p:nvSpPr>
+        <p:spPr>
+          <a:xfrm>
+            <a:off x="726006" y="218825"/>
+            <a:ext cx="679545" cy="369332"/>
+          </a:xfrm>
+          <a:prstGeom prst="rect">
+            <a:avLst/>
+          </a:prstGeom>
+          <a:noFill/>
+        </p:spPr>
+        <p:txBody>
+          <a:bodyPr wrap="none" rtlCol="0">
+            <a:spAutoFit/>
+          </a:bodyPr>
+          <a:lstStyle/>
+          <a:p>
+            <a:r>
+              <a:rPr lang="fr-FR" dirty="0"/>
+              <a:t>Store</a:t>
+            </a:r>
+          </a:p>
+        </p:txBody>
+      </p:sp>
+      <p:sp>
+        <p:nvSpPr>
+          <p:cNvPr id="27" name="Rectangle 26">
+            <a:extLst>
+              <a:ext uri="{FF2B5EF4-FFF2-40B4-BE49-F238E27FC236}">
+                <a16:creationId xmlns:a16="http://schemas.microsoft.com/office/drawing/2014/main" id="{9E38F418-AAB4-471B-AE85-B409077AFCEB}"/>
+              </a:ext>
+            </a:extLst>
+          </p:cNvPr>
+          <p:cNvSpPr/>
+          <p:nvPr/>
+        </p:nvSpPr>
+        <p:spPr>
+          <a:xfrm>
+            <a:off x="5955087" y="4392796"/>
+            <a:ext cx="1153338" cy="523827"/>
+          </a:xfrm>
+          <a:prstGeom prst="rect">
+            <a:avLst/>
+          </a:prstGeom>
+        </p:spPr>
+        <p:style>
+          <a:lnRef idx="2">
+            <a:schemeClr val="accent1">
+              <a:shade val="50000"/>
+            </a:schemeClr>
+          </a:lnRef>
+          <a:fillRef idx="1">
+            <a:schemeClr val="accent1"/>
+          </a:fillRef>
+          <a:effectRef idx="0">
+            <a:schemeClr val="accent1"/>
+          </a:effectRef>
+          <a:fontRef idx="minor">
+            <a:schemeClr val="lt1"/>
+          </a:fontRef>
+        </p:style>
+        <p:txBody>
+          <a:bodyPr rtlCol="0" anchor="ctr"/>
+          <a:lstStyle/>
+          <a:p>
+            <a:pPr algn="ctr"/>
+            <a:r>
+              <a:rPr lang="fr-FR" dirty="0"/>
+              <a:t>Action</a:t>
+            </a:r>
+          </a:p>
+        </p:txBody>
+      </p:sp>
+      <p:cxnSp>
+        <p:nvCxnSpPr>
+          <p:cNvPr id="29" name="Straight Arrow Connector 28">
+            <a:extLst>
+              <a:ext uri="{FF2B5EF4-FFF2-40B4-BE49-F238E27FC236}">
+                <a16:creationId xmlns:a16="http://schemas.microsoft.com/office/drawing/2014/main" id="{E8F1FD59-BD78-45EF-8224-2254C1974464}"/>
+              </a:ext>
+            </a:extLst>
+          </p:cNvPr>
+          <p:cNvCxnSpPr/>
+          <p:nvPr/>
+        </p:nvCxnSpPr>
+        <p:spPr>
+          <a:xfrm flipH="1">
+            <a:off x="7016527" y="3161343"/>
+            <a:ext cx="2348032" cy="1390745"/>
+          </a:xfrm>
+          <a:prstGeom prst="straightConnector1">
+            <a:avLst/>
+          </a:prstGeom>
+          <a:ln w="76200">
+            <a:tailEnd type="triangle"/>
+          </a:ln>
+        </p:spPr>
+        <p:style>
+          <a:lnRef idx="1">
+            <a:schemeClr val="accent1"/>
+          </a:lnRef>
+          <a:fillRef idx="0">
+            <a:schemeClr val="accent1"/>
+          </a:fillRef>
+          <a:effectRef idx="0">
+            <a:schemeClr val="accent1"/>
+          </a:effectRef>
+          <a:fontRef idx="minor">
+            <a:schemeClr val="tx1"/>
+          </a:fontRef>
+        </p:style>
+      </p:cxnSp>
+      <p:cxnSp>
+        <p:nvCxnSpPr>
+          <p:cNvPr id="31" name="Straight Arrow Connector 30">
+            <a:extLst>
+              <a:ext uri="{FF2B5EF4-FFF2-40B4-BE49-F238E27FC236}">
+                <a16:creationId xmlns:a16="http://schemas.microsoft.com/office/drawing/2014/main" id="{5A3051F6-CF03-4BB7-9347-412C7496A551}"/>
+              </a:ext>
+            </a:extLst>
+          </p:cNvPr>
+          <p:cNvCxnSpPr>
+            <a:cxnSpLocks/>
+            <a:stCxn id="27" idx="0"/>
+          </p:cNvCxnSpPr>
+          <p:nvPr/>
+        </p:nvCxnSpPr>
+        <p:spPr>
+          <a:xfrm flipH="1" flipV="1">
+            <a:off x="4406582" y="2770772"/>
+            <a:ext cx="2125174" cy="1622024"/>
+          </a:xfrm>
+          <a:prstGeom prst="straightConnector1">
+            <a:avLst/>
+          </a:prstGeom>
+          <a:ln w="76200">
+            <a:tailEnd type="triangle"/>
+          </a:ln>
+        </p:spPr>
+        <p:style>
+          <a:lnRef idx="1">
+            <a:schemeClr val="accent1"/>
+          </a:lnRef>
+          <a:fillRef idx="0">
+            <a:schemeClr val="accent1"/>
+          </a:fillRef>
+          <a:effectRef idx="0">
+            <a:schemeClr val="accent1"/>
+          </a:effectRef>
+          <a:fontRef idx="minor">
+            <a:schemeClr val="tx1"/>
+          </a:fontRef>
+        </p:style>
+      </p:cxnSp>
+      <p:sp>
+        <p:nvSpPr>
+          <p:cNvPr id="32" name="Rectangle 31">
+            <a:extLst>
+              <a:ext uri="{FF2B5EF4-FFF2-40B4-BE49-F238E27FC236}">
+                <a16:creationId xmlns:a16="http://schemas.microsoft.com/office/drawing/2014/main" id="{F87D4901-150F-45FD-A1C0-6963703204B8}"/>
+              </a:ext>
+            </a:extLst>
+          </p:cNvPr>
+          <p:cNvSpPr/>
+          <p:nvPr/>
+        </p:nvSpPr>
+        <p:spPr>
+          <a:xfrm>
+            <a:off x="693841" y="992515"/>
+            <a:ext cx="3653005" cy="503915"/>
+          </a:xfrm>
+          <a:prstGeom prst="rect">
+            <a:avLst/>
+          </a:prstGeom>
+        </p:spPr>
+        <p:style>
+          <a:lnRef idx="2">
+            <a:schemeClr val="accent1">
+              <a:shade val="50000"/>
+            </a:schemeClr>
+          </a:lnRef>
+          <a:fillRef idx="1">
+            <a:schemeClr val="accent1"/>
+          </a:fillRef>
+          <a:effectRef idx="0">
+            <a:schemeClr val="accent1"/>
+          </a:effectRef>
+          <a:fontRef idx="minor">
+            <a:schemeClr val="lt1"/>
+          </a:fontRef>
+        </p:style>
+        <p:txBody>
+          <a:bodyPr rtlCol="0" anchor="ctr"/>
+          <a:lstStyle/>
+          <a:p>
+            <a:pPr algn="ctr"/>
+            <a:endParaRPr lang="fr-FR"/>
+          </a:p>
+        </p:txBody>
+      </p:sp>
+      <p:sp>
+        <p:nvSpPr>
+          <p:cNvPr id="33" name="Rectangle 32">
+            <a:extLst>
+              <a:ext uri="{FF2B5EF4-FFF2-40B4-BE49-F238E27FC236}">
+                <a16:creationId xmlns:a16="http://schemas.microsoft.com/office/drawing/2014/main" id="{0D332388-14AD-432C-9550-D1EA1C860600}"/>
+              </a:ext>
+            </a:extLst>
+          </p:cNvPr>
+          <p:cNvSpPr/>
+          <p:nvPr/>
+        </p:nvSpPr>
+        <p:spPr>
+          <a:xfrm>
+            <a:off x="693840" y="1736902"/>
+            <a:ext cx="3653005" cy="503915"/>
+          </a:xfrm>
+          <a:prstGeom prst="rect">
+            <a:avLst/>
+          </a:prstGeom>
+        </p:spPr>
+        <p:style>
+          <a:lnRef idx="2">
+            <a:schemeClr val="accent1">
+              <a:shade val="50000"/>
+            </a:schemeClr>
+          </a:lnRef>
+          <a:fillRef idx="1">
+            <a:schemeClr val="accent1"/>
+          </a:fillRef>
+          <a:effectRef idx="0">
+            <a:schemeClr val="accent1"/>
+          </a:effectRef>
+          <a:fontRef idx="minor">
+            <a:schemeClr val="lt1"/>
+          </a:fontRef>
+        </p:style>
+        <p:txBody>
+          <a:bodyPr rtlCol="0" anchor="ctr"/>
+          <a:lstStyle/>
+          <a:p>
+            <a:pPr algn="ctr"/>
+            <a:endParaRPr lang="fr-FR"/>
+          </a:p>
+        </p:txBody>
+      </p:sp>
+      <p:sp>
+        <p:nvSpPr>
+          <p:cNvPr id="34" name="Rectangle 33">
+            <a:extLst>
+              <a:ext uri="{FF2B5EF4-FFF2-40B4-BE49-F238E27FC236}">
+                <a16:creationId xmlns:a16="http://schemas.microsoft.com/office/drawing/2014/main" id="{64AC512E-C160-4D63-B265-368AFB44DA0E}"/>
+              </a:ext>
+            </a:extLst>
+          </p:cNvPr>
+          <p:cNvSpPr/>
+          <p:nvPr/>
+        </p:nvSpPr>
+        <p:spPr>
+          <a:xfrm>
+            <a:off x="693840" y="2472863"/>
+            <a:ext cx="3653005" cy="503915"/>
+          </a:xfrm>
+          <a:prstGeom prst="rect">
+            <a:avLst/>
+          </a:prstGeom>
+        </p:spPr>
+        <p:style>
+          <a:lnRef idx="2">
+            <a:schemeClr val="accent1">
+              <a:shade val="50000"/>
+            </a:schemeClr>
+          </a:lnRef>
+          <a:fillRef idx="1">
+            <a:schemeClr val="accent1"/>
+          </a:fillRef>
+          <a:effectRef idx="0">
+            <a:schemeClr val="accent1"/>
+          </a:effectRef>
+          <a:fontRef idx="minor">
+            <a:schemeClr val="lt1"/>
+          </a:fontRef>
+        </p:style>
+        <p:txBody>
+          <a:bodyPr rtlCol="0" anchor="ctr"/>
+          <a:lstStyle/>
+          <a:p>
+            <a:pPr algn="ctr"/>
+            <a:endParaRPr lang="fr-FR"/>
+          </a:p>
+        </p:txBody>
+      </p:sp>
+      <p:sp>
+        <p:nvSpPr>
+          <p:cNvPr id="35" name="Rectangle 34">
+            <a:extLst>
+              <a:ext uri="{FF2B5EF4-FFF2-40B4-BE49-F238E27FC236}">
+                <a16:creationId xmlns:a16="http://schemas.microsoft.com/office/drawing/2014/main" id="{09235329-2521-46C7-8C33-59FCACB09876}"/>
+              </a:ext>
+            </a:extLst>
+          </p:cNvPr>
+          <p:cNvSpPr/>
+          <p:nvPr/>
+        </p:nvSpPr>
+        <p:spPr>
+          <a:xfrm>
+            <a:off x="705327" y="3161343"/>
+            <a:ext cx="3653005" cy="503915"/>
+          </a:xfrm>
+          <a:prstGeom prst="rect">
+            <a:avLst/>
+          </a:prstGeom>
+        </p:spPr>
+        <p:style>
+          <a:lnRef idx="2">
+            <a:schemeClr val="accent1">
+              <a:shade val="50000"/>
+            </a:schemeClr>
+          </a:lnRef>
+          <a:fillRef idx="1">
+            <a:schemeClr val="accent1"/>
+          </a:fillRef>
+          <a:effectRef idx="0">
+            <a:schemeClr val="accent1"/>
+          </a:effectRef>
+          <a:fontRef idx="minor">
+            <a:schemeClr val="lt1"/>
+          </a:fontRef>
+        </p:style>
+        <p:txBody>
+          <a:bodyPr rtlCol="0" anchor="ctr"/>
+          <a:lstStyle/>
+          <a:p>
+            <a:pPr algn="ctr"/>
+            <a:endParaRPr lang="fr-FR"/>
+          </a:p>
+        </p:txBody>
+      </p:sp>
+      <p:sp>
+        <p:nvSpPr>
+          <p:cNvPr id="39" name="TextBox 38">
+            <a:extLst>
+              <a:ext uri="{FF2B5EF4-FFF2-40B4-BE49-F238E27FC236}">
+                <a16:creationId xmlns:a16="http://schemas.microsoft.com/office/drawing/2014/main" id="{C9470F1C-124E-442F-9E09-4DBB02761D33}"/>
+              </a:ext>
+            </a:extLst>
+          </p:cNvPr>
+          <p:cNvSpPr txBox="1"/>
+          <p:nvPr/>
+        </p:nvSpPr>
+        <p:spPr>
+          <a:xfrm>
+            <a:off x="4536266" y="2472863"/>
+            <a:ext cx="914225" cy="369332"/>
+          </a:xfrm>
+          <a:prstGeom prst="rect">
+            <a:avLst/>
+          </a:prstGeom>
+          <a:noFill/>
+        </p:spPr>
+        <p:txBody>
+          <a:bodyPr wrap="none" rtlCol="0">
+            <a:spAutoFit/>
+          </a:bodyPr>
+          <a:lstStyle/>
+          <a:p>
+            <a:r>
+              <a:rPr lang="fr-FR" dirty="0" err="1"/>
+              <a:t>reducer</a:t>
+            </a:r>
+            <a:endParaRPr lang="fr-FR" dirty="0"/>
+          </a:p>
+        </p:txBody>
+      </p:sp>
+      <p:cxnSp>
+        <p:nvCxnSpPr>
+          <p:cNvPr id="41" name="Straight Arrow Connector 40">
+            <a:extLst>
+              <a:ext uri="{FF2B5EF4-FFF2-40B4-BE49-F238E27FC236}">
+                <a16:creationId xmlns:a16="http://schemas.microsoft.com/office/drawing/2014/main" id="{CB215916-E379-410B-8805-EB19D6A4D45F}"/>
+              </a:ext>
+            </a:extLst>
+          </p:cNvPr>
+          <p:cNvCxnSpPr/>
+          <p:nvPr/>
+        </p:nvCxnSpPr>
+        <p:spPr>
+          <a:xfrm flipV="1">
+            <a:off x="5821833" y="900615"/>
+            <a:ext cx="3012774" cy="229749"/>
+          </a:xfrm>
+          <a:prstGeom prst="straightConnector1">
+            <a:avLst/>
+          </a:prstGeom>
+          <a:ln w="76200">
+            <a:tailEnd type="triangle"/>
+          </a:ln>
+        </p:spPr>
+        <p:style>
+          <a:lnRef idx="1">
+            <a:schemeClr val="accent1"/>
+          </a:lnRef>
+          <a:fillRef idx="0">
+            <a:schemeClr val="accent1"/>
+          </a:fillRef>
+          <a:effectRef idx="0">
+            <a:schemeClr val="accent1"/>
+          </a:effectRef>
+          <a:fontRef idx="minor">
+            <a:schemeClr val="tx1"/>
+          </a:fontRef>
+        </p:style>
+      </p:cxnSp>
+      <p:cxnSp>
+        <p:nvCxnSpPr>
+          <p:cNvPr id="43" name="Straight Arrow Connector 42">
+            <a:extLst>
+              <a:ext uri="{FF2B5EF4-FFF2-40B4-BE49-F238E27FC236}">
+                <a16:creationId xmlns:a16="http://schemas.microsoft.com/office/drawing/2014/main" id="{4F9887AE-7379-439C-818E-DE5AD95DD54D}"/>
+              </a:ext>
+            </a:extLst>
+          </p:cNvPr>
+          <p:cNvCxnSpPr/>
+          <p:nvPr/>
+        </p:nvCxnSpPr>
+        <p:spPr>
+          <a:xfrm>
+            <a:off x="5743719" y="1541997"/>
+            <a:ext cx="1971244" cy="539910"/>
+          </a:xfrm>
+          <a:prstGeom prst="straightConnector1">
+            <a:avLst/>
+          </a:prstGeom>
+          <a:ln w="76200">
+            <a:tailEnd type="triangle"/>
+          </a:ln>
+        </p:spPr>
+        <p:style>
+          <a:lnRef idx="1">
+            <a:schemeClr val="accent1"/>
+          </a:lnRef>
+          <a:fillRef idx="0">
+            <a:schemeClr val="accent1"/>
+          </a:fillRef>
+          <a:effectRef idx="0">
+            <a:schemeClr val="accent1"/>
+          </a:effectRef>
+          <a:fontRef idx="minor">
+            <a:schemeClr val="tx1"/>
+          </a:fontRef>
+        </p:style>
+      </p:cxnSp>
+      <p:cxnSp>
+        <p:nvCxnSpPr>
+          <p:cNvPr id="45" name="Straight Arrow Connector 44">
+            <a:extLst>
+              <a:ext uri="{FF2B5EF4-FFF2-40B4-BE49-F238E27FC236}">
+                <a16:creationId xmlns:a16="http://schemas.microsoft.com/office/drawing/2014/main" id="{5B95A832-0243-42BF-8004-53390CE7B4AB}"/>
+              </a:ext>
+            </a:extLst>
+          </p:cNvPr>
+          <p:cNvCxnSpPr>
+            <a:cxnSpLocks/>
+          </p:cNvCxnSpPr>
+          <p:nvPr/>
+        </p:nvCxnSpPr>
+        <p:spPr>
+          <a:xfrm>
+            <a:off x="5832556" y="2371009"/>
+            <a:ext cx="2656662" cy="1534721"/>
+          </a:xfrm>
+          <a:prstGeom prst="straightConnector1">
+            <a:avLst/>
+          </a:prstGeom>
+          <a:ln w="76200">
+            <a:tailEnd type="triangle"/>
+          </a:ln>
+        </p:spPr>
+        <p:style>
+          <a:lnRef idx="1">
+            <a:schemeClr val="accent1"/>
+          </a:lnRef>
+          <a:fillRef idx="0">
+            <a:schemeClr val="accent1"/>
+          </a:fillRef>
+          <a:effectRef idx="0">
+            <a:schemeClr val="accent1"/>
+          </a:effectRef>
+          <a:fontRef idx="minor">
+            <a:schemeClr val="tx1"/>
+          </a:fontRef>
+        </p:style>
+      </p:cxnSp>
+      <p:sp>
+        <p:nvSpPr>
+          <p:cNvPr id="48" name="TextBox 47">
+            <a:extLst>
+              <a:ext uri="{FF2B5EF4-FFF2-40B4-BE49-F238E27FC236}">
+                <a16:creationId xmlns:a16="http://schemas.microsoft.com/office/drawing/2014/main" id="{F596540F-B58A-4909-BF44-09AAF6855F3F}"/>
+              </a:ext>
+            </a:extLst>
+          </p:cNvPr>
+          <p:cNvSpPr txBox="1"/>
+          <p:nvPr/>
+        </p:nvSpPr>
+        <p:spPr>
+          <a:xfrm>
+            <a:off x="7016527" y="2770772"/>
+            <a:ext cx="2164695" cy="369332"/>
+          </a:xfrm>
+          <a:prstGeom prst="rect">
+            <a:avLst/>
+          </a:prstGeom>
+          <a:noFill/>
+        </p:spPr>
+        <p:txBody>
+          <a:bodyPr wrap="none" rtlCol="0">
+            <a:spAutoFit/>
+          </a:bodyPr>
+          <a:lstStyle/>
+          <a:p>
+            <a:r>
+              <a:rPr lang="fr-FR" dirty="0" err="1"/>
+              <a:t>useSelector</a:t>
+            </a:r>
+            <a:r>
+              <a:rPr lang="fr-FR" dirty="0"/>
+              <a:t>(</a:t>
+            </a:r>
+            <a:r>
+              <a:rPr lang="fr-FR" dirty="0" err="1"/>
+              <a:t>selector</a:t>
+            </a:r>
+            <a:r>
+              <a:rPr lang="fr-FR" dirty="0"/>
+              <a:t>)</a:t>
+            </a:r>
+          </a:p>
+        </p:txBody>
+      </p:sp>
+      <p:sp>
+        <p:nvSpPr>
+          <p:cNvPr id="49" name="TextBox 48">
+            <a:extLst>
+              <a:ext uri="{FF2B5EF4-FFF2-40B4-BE49-F238E27FC236}">
+                <a16:creationId xmlns:a16="http://schemas.microsoft.com/office/drawing/2014/main" id="{CE9A07EE-5E36-4684-B811-E34616B9988C}"/>
+              </a:ext>
+            </a:extLst>
+          </p:cNvPr>
+          <p:cNvSpPr txBox="1"/>
+          <p:nvPr/>
+        </p:nvSpPr>
+        <p:spPr>
+          <a:xfrm>
+            <a:off x="7459477" y="4654709"/>
+            <a:ext cx="1462132" cy="369332"/>
+          </a:xfrm>
+          <a:prstGeom prst="rect">
+            <a:avLst/>
+          </a:prstGeom>
+          <a:noFill/>
+        </p:spPr>
+        <p:txBody>
+          <a:bodyPr wrap="none" rtlCol="0">
+            <a:spAutoFit/>
+          </a:bodyPr>
+          <a:lstStyle/>
+          <a:p>
+            <a:r>
+              <a:rPr lang="fr-FR" dirty="0" err="1"/>
+              <a:t>useDispatch</a:t>
+            </a:r>
+            <a:r>
+              <a:rPr lang="fr-FR" dirty="0"/>
+              <a:t>()</a:t>
+            </a:r>
+          </a:p>
+        </p:txBody>
+      </p:sp>
+    </p:spTree>
+    <p:extLst>
+      <p:ext uri="{BB962C8B-B14F-4D97-AF65-F5344CB8AC3E}">
+        <p14:creationId xmlns:p14="http://schemas.microsoft.com/office/powerpoint/2010/main" val="417531210"/>
+      </p:ext>
+    </p:extLst>
+  </p:cSld>
+  <p:clrMapOvr>
+    <a:masterClrMapping/>
+  </p:clrMapOvr>
+</p:sld>
+</file>
+
+<file path=ppt/slides/slide24.xml><?xml version="1.0" encoding="utf-8"?>
+<p:sld xmlns:a="http://schemas.openxmlformats.org/drawingml/2006/main" xmlns:r="http://schemas.openxmlformats.org/officeDocument/2006/relationships" xmlns:p="http://schemas.openxmlformats.org/presentationml/2006/main">
+  <p:cSld>
+    <p:spTree>
+      <p:nvGrpSpPr>
+        <p:cNvPr id="1" name=""/>
+        <p:cNvGrpSpPr/>
+        <p:nvPr/>
+      </p:nvGrpSpPr>
+      <p:grpSpPr>
+        <a:xfrm>
+          <a:off x="0" y="0"/>
+          <a:ext cx="0" cy="0"/>
+          <a:chOff x="0" y="0"/>
+          <a:chExt cx="0" cy="0"/>
+        </a:xfrm>
+      </p:grpSpPr>
+      <p:sp>
+        <p:nvSpPr>
+          <p:cNvPr id="2" name="Title 1">
+            <a:extLst>
+              <a:ext uri="{FF2B5EF4-FFF2-40B4-BE49-F238E27FC236}">
+                <a16:creationId xmlns:a16="http://schemas.microsoft.com/office/drawing/2014/main" id="{4BC82867-D4D1-458D-9608-B6E89A449BC7}"/>
+              </a:ext>
+            </a:extLst>
+          </p:cNvPr>
+          <p:cNvSpPr>
+            <a:spLocks noGrp="1"/>
+          </p:cNvSpPr>
+          <p:nvPr>
+            <p:ph type="title"/>
+          </p:nvPr>
+        </p:nvSpPr>
+        <p:spPr/>
+        <p:txBody>
+          <a:bodyPr/>
+          <a:lstStyle/>
+          <a:p>
+            <a:r>
+              <a:rPr lang="fr-FR" dirty="0"/>
+              <a:t>Dataviz</a:t>
+            </a:r>
+          </a:p>
+        </p:txBody>
+      </p:sp>
+      <p:sp>
+        <p:nvSpPr>
+          <p:cNvPr id="3" name="Content Placeholder 2">
+            <a:extLst>
+              <a:ext uri="{FF2B5EF4-FFF2-40B4-BE49-F238E27FC236}">
+                <a16:creationId xmlns:a16="http://schemas.microsoft.com/office/drawing/2014/main" id="{7C7FB638-FB98-4CF6-8D7B-BB0E28C6A4EB}"/>
+              </a:ext>
+            </a:extLst>
+          </p:cNvPr>
+          <p:cNvSpPr>
+            <a:spLocks noGrp="1"/>
+          </p:cNvSpPr>
+          <p:nvPr>
+            <p:ph idx="1"/>
+          </p:nvPr>
+        </p:nvSpPr>
+        <p:spPr/>
+        <p:txBody>
+          <a:bodyPr/>
+          <a:lstStyle/>
+          <a:p>
+            <a:r>
+              <a:rPr lang="fr-FR" dirty="0" err="1"/>
+              <a:t>ChartJS</a:t>
+            </a:r>
+            <a:endParaRPr lang="fr-FR" dirty="0"/>
+          </a:p>
+          <a:p>
+            <a:r>
+              <a:rPr lang="fr-FR" dirty="0"/>
+              <a:t>3DS</a:t>
+            </a:r>
+          </a:p>
+          <a:p>
+            <a:r>
+              <a:rPr lang="fr-FR" dirty="0" err="1"/>
+              <a:t>ThreeJS</a:t>
+            </a:r>
+            <a:endParaRPr lang="fr-FR" dirty="0"/>
+          </a:p>
+          <a:p>
+            <a:r>
+              <a:rPr lang="fr-FR" dirty="0"/>
+              <a:t>Leaflet</a:t>
+            </a:r>
+          </a:p>
+        </p:txBody>
+      </p:sp>
+    </p:spTree>
+    <p:extLst>
+      <p:ext uri="{BB962C8B-B14F-4D97-AF65-F5344CB8AC3E}">
+        <p14:creationId xmlns:p14="http://schemas.microsoft.com/office/powerpoint/2010/main" val="947197923"/>
       </p:ext>
     </p:extLst>
   </p:cSld>
